--- a/DAB103_Project_Presentation/DAB103_001_Group9_Project.pptx
+++ b/DAB103_Project_Presentation/DAB103_001_Group9_Project.pptx
@@ -12,6 +12,7 @@
     <p:sldId id="303" r:id="rId9"/>
     <p:sldId id="304" r:id="rId10"/>
     <p:sldId id="305" r:id="rId11"/>
+    <p:sldId id="306" r:id="rId12"/>
   </p:sldIdLst>
   <p:sldSz cx="12192000" cy="6858000"/>
   <p:notesSz cx="6858000" cy="9144000"/>
@@ -9152,6 +9153,86 @@
 </p:sld>
 </file>
 
+<file path=ppt/slides/slide8.xml><?xml version="1.0" encoding="utf-8"?>
+<p:sld xmlns:a="http://schemas.openxmlformats.org/drawingml/2006/main" xmlns:r="http://schemas.openxmlformats.org/officeDocument/2006/relationships" xmlns:p="http://schemas.openxmlformats.org/presentationml/2006/main">
+  <p:cSld>
+    <p:spTree>
+      <p:nvGrpSpPr>
+        <p:cNvPr id="1" name=""/>
+        <p:cNvGrpSpPr/>
+        <p:nvPr/>
+      </p:nvGrpSpPr>
+      <p:grpSpPr>
+        <a:xfrm>
+          <a:off x="0" y="0"/>
+          <a:ext cx="0" cy="0"/>
+          <a:chOff x="0" y="0"/>
+          <a:chExt cx="0" cy="0"/>
+        </a:xfrm>
+      </p:grpSpPr>
+      <p:sp>
+        <p:nvSpPr>
+          <p:cNvPr id="2" name="Title 1">
+            <a:extLst>
+              <a:ext uri="{FF2B5EF4-FFF2-40B4-BE49-F238E27FC236}">
+                <a16:creationId xmlns:a16="http://schemas.microsoft.com/office/drawing/2014/main" id="{47DD18A3-0429-980C-62B1-C954D6C06CD3}"/>
+              </a:ext>
+            </a:extLst>
+          </p:cNvPr>
+          <p:cNvSpPr>
+            <a:spLocks noGrp="1"/>
+          </p:cNvSpPr>
+          <p:nvPr>
+            <p:ph type="ctrTitle"/>
+          </p:nvPr>
+        </p:nvSpPr>
+        <p:spPr/>
+        <p:txBody>
+          <a:bodyPr/>
+          <a:lstStyle/>
+          <a:p>
+            <a:endParaRPr lang="en-IN"/>
+          </a:p>
+        </p:txBody>
+      </p:sp>
+      <p:sp>
+        <p:nvSpPr>
+          <p:cNvPr id="3" name="Subtitle 2">
+            <a:extLst>
+              <a:ext uri="{FF2B5EF4-FFF2-40B4-BE49-F238E27FC236}">
+                <a16:creationId xmlns:a16="http://schemas.microsoft.com/office/drawing/2014/main" id="{CFF557F4-C62B-918D-F26E-9A1FC958D690}"/>
+              </a:ext>
+            </a:extLst>
+          </p:cNvPr>
+          <p:cNvSpPr>
+            <a:spLocks noGrp="1"/>
+          </p:cNvSpPr>
+          <p:nvPr>
+            <p:ph type="subTitle" idx="1"/>
+          </p:nvPr>
+        </p:nvSpPr>
+        <p:spPr/>
+        <p:txBody>
+          <a:bodyPr/>
+          <a:lstStyle/>
+          <a:p>
+            <a:endParaRPr lang="en-IN"/>
+          </a:p>
+        </p:txBody>
+      </p:sp>
+    </p:spTree>
+    <p:extLst>
+      <p:ext uri="{BB962C8B-B14F-4D97-AF65-F5344CB8AC3E}">
+        <p14:creationId xmlns:p14="http://schemas.microsoft.com/office/powerpoint/2010/main" val="722334767"/>
+      </p:ext>
+    </p:extLst>
+  </p:cSld>
+  <p:clrMapOvr>
+    <a:masterClrMapping/>
+  </p:clrMapOvr>
+</p:sld>
+</file>
+
 <file path=ppt/theme/theme1.xml><?xml version="1.0" encoding="utf-8"?>
 <a:theme xmlns:a="http://schemas.openxmlformats.org/drawingml/2006/main" name="1_RetrospectVTI">
   <a:themeElements>
@@ -9522,6 +9603,21 @@
 </file>
 
 <file path=customXml/item1.xml><?xml version="1.0" encoding="utf-8"?>
+<p:properties xmlns:p="http://schemas.microsoft.com/office/2006/metadata/properties" xmlns:xsi="http://www.w3.org/2001/XMLSchema-instance" xmlns:pc="http://schemas.microsoft.com/office/infopath/2007/PartnerControls">
+  <documentManagement/>
+</p:properties>
+</file>
+
+<file path=customXml/item2.xml><?xml version="1.0" encoding="utf-8"?>
+<?mso-contentType ?>
+<FormTemplates xmlns="http://schemas.microsoft.com/sharepoint/v3/contenttype/forms">
+  <Display>DocumentLibraryForm</Display>
+  <Edit>DocumentLibraryForm</Edit>
+  <New>DocumentLibraryForm</New>
+</FormTemplates>
+</file>
+
+<file path=customXml/item3.xml><?xml version="1.0" encoding="utf-8"?>
 <ct:contentTypeSchema xmlns:ct="http://schemas.microsoft.com/office/2006/metadata/contentType" xmlns:ma="http://schemas.microsoft.com/office/2006/metadata/properties/metaAttributes" ct:_="" ma:_="" ma:contentTypeName="Document" ma:contentTypeID="0x010100B03F06D21DE37248AC914B600C924F15" ma:contentTypeVersion="2" ma:contentTypeDescription="Create a new document." ma:contentTypeScope="" ma:versionID="3f3bf42e6798aba89beafc02067edb39">
   <xsd:schema xmlns:xsd="http://www.w3.org/2001/XMLSchema" xmlns:xs="http://www.w3.org/2001/XMLSchema" xmlns:p="http://schemas.microsoft.com/office/2006/metadata/properties" xmlns:ns2="9a916489-07a6-46dd-ab81-f71f67753100" targetNamespace="http://schemas.microsoft.com/office/2006/metadata/properties" ma:root="true" ma:fieldsID="e6a6cb696d9ce011b00779af6cab105c" ns2:_="">
     <xsd:import namespace="9a916489-07a6-46dd-ab81-f71f67753100"/>
@@ -9653,22 +9749,25 @@
 </ct:contentTypeSchema>
 </file>
 
-<file path=customXml/item2.xml><?xml version="1.0" encoding="utf-8"?>
-<?mso-contentType ?>
-<FormTemplates xmlns="http://schemas.microsoft.com/sharepoint/v3/contenttype/forms">
-  <Display>DocumentLibraryForm</Display>
-  <Edit>DocumentLibraryForm</Edit>
-  <New>DocumentLibraryForm</New>
-</FormTemplates>
+<file path=customXml/itemProps1.xml><?xml version="1.0" encoding="utf-8"?>
+<ds:datastoreItem xmlns:ds="http://schemas.openxmlformats.org/officeDocument/2006/customXml" ds:itemID="{A03EEFF0-FB57-4CB4-8BFC-DF397689E2ED}">
+  <ds:schemaRefs>
+    <ds:schemaRef ds:uri="http://schemas.microsoft.com/office/2006/metadata/properties"/>
+    <ds:schemaRef ds:uri="http://schemas.microsoft.com/office/infopath/2007/PartnerControls"/>
+    <ds:schemaRef ds:uri="71af3243-3dd4-4a8d-8c0d-dd76da1f02a5"/>
+  </ds:schemaRefs>
+</ds:datastoreItem>
 </file>
 
-<file path=customXml/item3.xml><?xml version="1.0" encoding="utf-8"?>
-<p:properties xmlns:p="http://schemas.microsoft.com/office/2006/metadata/properties" xmlns:xsi="http://www.w3.org/2001/XMLSchema-instance" xmlns:pc="http://schemas.microsoft.com/office/infopath/2007/PartnerControls">
-  <documentManagement/>
-</p:properties>
+<file path=customXml/itemProps2.xml><?xml version="1.0" encoding="utf-8"?>
+<ds:datastoreItem xmlns:ds="http://schemas.openxmlformats.org/officeDocument/2006/customXml" ds:itemID="{AA3F7EDC-E5B4-4BBC-9D2A-CBE6D46C37AD}">
+  <ds:schemaRefs>
+    <ds:schemaRef ds:uri="http://schemas.microsoft.com/sharepoint/v3/contenttype/forms"/>
+  </ds:schemaRefs>
+</ds:datastoreItem>
 </file>
 
-<file path=customXml/itemProps1.xml><?xml version="1.0" encoding="utf-8"?>
+<file path=customXml/itemProps3.xml><?xml version="1.0" encoding="utf-8"?>
 <ds:datastoreItem xmlns:ds="http://schemas.openxmlformats.org/officeDocument/2006/customXml" ds:itemID="{9A91BA1B-D2E1-4DC9-837B-E6FDD06873C9}">
   <ds:schemaRefs>
     <ds:schemaRef ds:uri="http://schemas.microsoft.com/office/2006/metadata/contentType"/>
@@ -9684,22 +9783,4 @@
     <ds:schemaRef ds:uri="http://schemas.microsoft.com/internal/obd"/>
   </ds:schemaRefs>
 </ds:datastoreItem>
-</file>
-
-<file path=customXml/itemProps2.xml><?xml version="1.0" encoding="utf-8"?>
-<ds:datastoreItem xmlns:ds="http://schemas.openxmlformats.org/officeDocument/2006/customXml" ds:itemID="{AA3F7EDC-E5B4-4BBC-9D2A-CBE6D46C37AD}">
-  <ds:schemaRefs>
-    <ds:schemaRef ds:uri="http://schemas.microsoft.com/sharepoint/v3/contenttype/forms"/>
-  </ds:schemaRefs>
-</ds:datastoreItem>
-</file>
-
-<file path=customXml/itemProps3.xml><?xml version="1.0" encoding="utf-8"?>
-<ds:datastoreItem xmlns:ds="http://schemas.openxmlformats.org/officeDocument/2006/customXml" ds:itemID="{A03EEFF0-FB57-4CB4-8BFC-DF397689E2ED}">
-  <ds:schemaRefs>
-    <ds:schemaRef ds:uri="http://schemas.microsoft.com/office/2006/metadata/properties"/>
-    <ds:schemaRef ds:uri="http://schemas.microsoft.com/office/infopath/2007/PartnerControls"/>
-    <ds:schemaRef ds:uri="71af3243-3dd4-4a8d-8c0d-dd76da1f02a5"/>
-  </ds:schemaRefs>
-</ds:datastoreItem>
 </file>